--- a/welcome slides.pptx
+++ b/welcome slides.pptx
@@ -268,7 +268,7 @@
           <a:p>
             <a:fld id="{88253116-A3B1-4586-8FFF-3EB764760934}" type="datetimeFigureOut">
               <a:rPr lang="en-US" smtClean="0"/>
-              <a:t>4/28/2025</a:t>
+              <a:t>4/29/2025</a:t>
             </a:fld>
             <a:endParaRPr lang="en-US"/>
           </a:p>
@@ -468,7 +468,7 @@
           <a:p>
             <a:fld id="{88253116-A3B1-4586-8FFF-3EB764760934}" type="datetimeFigureOut">
               <a:rPr lang="en-US" smtClean="0"/>
-              <a:t>4/28/2025</a:t>
+              <a:t>4/29/2025</a:t>
             </a:fld>
             <a:endParaRPr lang="en-US"/>
           </a:p>
@@ -678,7 +678,7 @@
           <a:p>
             <a:fld id="{88253116-A3B1-4586-8FFF-3EB764760934}" type="datetimeFigureOut">
               <a:rPr lang="en-US" smtClean="0"/>
-              <a:t>4/28/2025</a:t>
+              <a:t>4/29/2025</a:t>
             </a:fld>
             <a:endParaRPr lang="en-US"/>
           </a:p>
@@ -878,7 +878,7 @@
           <a:p>
             <a:fld id="{88253116-A3B1-4586-8FFF-3EB764760934}" type="datetimeFigureOut">
               <a:rPr lang="en-US" smtClean="0"/>
-              <a:t>4/28/2025</a:t>
+              <a:t>4/29/2025</a:t>
             </a:fld>
             <a:endParaRPr lang="en-US"/>
           </a:p>
@@ -1154,7 +1154,7 @@
           <a:p>
             <a:fld id="{88253116-A3B1-4586-8FFF-3EB764760934}" type="datetimeFigureOut">
               <a:rPr lang="en-US" smtClean="0"/>
-              <a:t>4/28/2025</a:t>
+              <a:t>4/29/2025</a:t>
             </a:fld>
             <a:endParaRPr lang="en-US"/>
           </a:p>
@@ -1422,7 +1422,7 @@
           <a:p>
             <a:fld id="{88253116-A3B1-4586-8FFF-3EB764760934}" type="datetimeFigureOut">
               <a:rPr lang="en-US" smtClean="0"/>
-              <a:t>4/28/2025</a:t>
+              <a:t>4/29/2025</a:t>
             </a:fld>
             <a:endParaRPr lang="en-US"/>
           </a:p>
@@ -1837,7 +1837,7 @@
           <a:p>
             <a:fld id="{88253116-A3B1-4586-8FFF-3EB764760934}" type="datetimeFigureOut">
               <a:rPr lang="en-US" smtClean="0"/>
-              <a:t>4/28/2025</a:t>
+              <a:t>4/29/2025</a:t>
             </a:fld>
             <a:endParaRPr lang="en-US"/>
           </a:p>
@@ -1979,7 +1979,7 @@
           <a:p>
             <a:fld id="{88253116-A3B1-4586-8FFF-3EB764760934}" type="datetimeFigureOut">
               <a:rPr lang="en-US" smtClean="0"/>
-              <a:t>4/28/2025</a:t>
+              <a:t>4/29/2025</a:t>
             </a:fld>
             <a:endParaRPr lang="en-US"/>
           </a:p>
@@ -2092,7 +2092,7 @@
           <a:p>
             <a:fld id="{88253116-A3B1-4586-8FFF-3EB764760934}" type="datetimeFigureOut">
               <a:rPr lang="en-US" smtClean="0"/>
-              <a:t>4/28/2025</a:t>
+              <a:t>4/29/2025</a:t>
             </a:fld>
             <a:endParaRPr lang="en-US"/>
           </a:p>
@@ -2405,7 +2405,7 @@
           <a:p>
             <a:fld id="{88253116-A3B1-4586-8FFF-3EB764760934}" type="datetimeFigureOut">
               <a:rPr lang="en-US" smtClean="0"/>
-              <a:t>4/28/2025</a:t>
+              <a:t>4/29/2025</a:t>
             </a:fld>
             <a:endParaRPr lang="en-US"/>
           </a:p>
@@ -2694,7 +2694,7 @@
           <a:p>
             <a:fld id="{88253116-A3B1-4586-8FFF-3EB764760934}" type="datetimeFigureOut">
               <a:rPr lang="en-US" smtClean="0"/>
-              <a:t>4/28/2025</a:t>
+              <a:t>4/29/2025</a:t>
             </a:fld>
             <a:endParaRPr lang="en-US"/>
           </a:p>
@@ -2937,7 +2937,7 @@
           <a:p>
             <a:fld id="{88253116-A3B1-4586-8FFF-3EB764760934}" type="datetimeFigureOut">
               <a:rPr lang="en-US" smtClean="0"/>
-              <a:t>4/28/2025</a:t>
+              <a:t>4/29/2025</a:t>
             </a:fld>
             <a:endParaRPr lang="en-US"/>
           </a:p>
@@ -5293,7 +5293,7 @@
           <a:p>
             <a:r>
               <a:rPr lang="en-US" dirty="0"/>
-              <a:t>Two announcements</a:t>
+              <a:t>Three announcements</a:t>
             </a:r>
           </a:p>
         </p:txBody>
@@ -5344,10 +5344,15 @@
             <p:ph idx="1"/>
           </p:nvPr>
         </p:nvSpPr>
-        <p:spPr/>
+        <p:spPr>
+          <a:xfrm>
+            <a:off x="838200" y="1825624"/>
+            <a:ext cx="10515600" cy="4780915"/>
+          </a:xfrm>
+        </p:spPr>
         <p:txBody>
           <a:bodyPr>
-            <a:normAutofit fontScale="77500" lnSpcReduction="20000"/>
+            <a:normAutofit fontScale="92500" lnSpcReduction="10000"/>
           </a:bodyPr>
           <a:lstStyle/>
           <a:p>
@@ -5355,7 +5360,7 @@
               <a:buNone/>
             </a:pPr>
             <a:r>
-              <a:rPr lang="en-US" b="1" dirty="0"/>
+              <a:rPr lang="en-US" sz="1600" b="1" dirty="0"/>
               <a:t>1) We Are Hiring! </a:t>
             </a:r>
           </a:p>
@@ -5364,7 +5369,7 @@
               <a:buNone/>
             </a:pPr>
             <a:r>
-              <a:rPr lang="en-US" dirty="0"/>
+              <a:rPr lang="en-US" sz="1600" dirty="0"/>
               <a:t>Looking for Student Assistants (with programming interest)</a:t>
             </a:r>
           </a:p>
@@ -5373,100 +5378,133 @@
               <a:buNone/>
             </a:pPr>
             <a:r>
-              <a:rPr lang="en-US" dirty="0"/>
+              <a:rPr lang="en-US" sz="1400" dirty="0"/>
               <a:t>If you enjoy coding and want to gain hands-on experience, we are looking for motivated students to join our team as research assistants.</a:t>
             </a:r>
           </a:p>
           <a:p>
+            <a:pPr marL="457200" lvl="1" indent="0">
+              <a:buNone/>
+            </a:pPr>
+            <a:endParaRPr lang="en-US" sz="1400" dirty="0"/>
+          </a:p>
+          <a:p>
             <a:pPr marL="0" indent="0">
               <a:buNone/>
             </a:pPr>
-            <a:endParaRPr lang="en-US" dirty="0"/>
+            <a:r>
+              <a:rPr lang="en-US" sz="1600" b="1" dirty="0"/>
+              <a:t>2) Bachelor’s / Master’s Thesis Opportunities</a:t>
+            </a:r>
           </a:p>
           <a:p>
             <a:pPr marL="0" indent="0">
               <a:buNone/>
             </a:pPr>
             <a:r>
-              <a:rPr lang="en-US" b="1" dirty="0"/>
-              <a:t>2) Master Program: Skill Project Opportunity</a:t>
+              <a:rPr lang="en-US" sz="1600" dirty="0"/>
+              <a:t>We are looking for motivated students who would like to complete their Bachelor’s or Master’s thesis with us.</a:t>
+            </a:r>
+          </a:p>
+          <a:p>
+            <a:pPr marL="457200" lvl="1" indent="0">
+              <a:buNone/>
+            </a:pPr>
+            <a:r>
+              <a:rPr lang="en-US" sz="1400" dirty="0"/>
+              <a:t>If you enjoy coding and want to work on practical, research-driven projects, we offer exciting topics and close supervision to support your academic and professional development.</a:t>
             </a:r>
           </a:p>
           <a:p>
             <a:pPr marL="0" indent="0">
               <a:buNone/>
             </a:pPr>
-            <a:r>
-              <a:rPr lang="en-US" dirty="0"/>
+            <a:endParaRPr lang="en-US" sz="1600" dirty="0"/>
+          </a:p>
+          <a:p>
+            <a:pPr marL="0" indent="0">
+              <a:buNone/>
+            </a:pPr>
+            <a:r>
+              <a:rPr lang="en-US" sz="1600" b="1" dirty="0"/>
+              <a:t>3*) For Students in the Psychology Master: Skill Project Opportunity</a:t>
+            </a:r>
+          </a:p>
+          <a:p>
+            <a:pPr marL="0" indent="0">
+              <a:buNone/>
+            </a:pPr>
+            <a:r>
+              <a:rPr lang="en-US" sz="1600" dirty="0"/>
               <a:t>Get involved in an exciting project this year</a:t>
             </a:r>
           </a:p>
           <a:p>
             <a:pPr lvl="1"/>
             <a:r>
-              <a:rPr lang="en-US" dirty="0"/>
+              <a:rPr lang="en-US" sz="1400" dirty="0"/>
               <a:t>You will have the chance to work with publicly available datasets.</a:t>
             </a:r>
           </a:p>
           <a:p>
             <a:pPr lvl="1"/>
             <a:r>
-              <a:rPr lang="en-US" dirty="0"/>
+              <a:rPr lang="en-US" sz="1400" dirty="0"/>
               <a:t>Focus areas include social science data such as:</a:t>
             </a:r>
           </a:p>
           <a:p>
             <a:pPr lvl="2"/>
             <a:r>
-              <a:rPr lang="en-US" dirty="0"/>
+              <a:rPr lang="en-US" sz="1200" dirty="0"/>
               <a:t>European Social Survey (ESS)</a:t>
             </a:r>
           </a:p>
           <a:p>
             <a:pPr lvl="2"/>
             <a:r>
-              <a:rPr lang="en-US" dirty="0"/>
+              <a:rPr lang="en-US" sz="1200" dirty="0"/>
               <a:t>Armed Conflict Location &amp; Event Data Project (ACLED)</a:t>
             </a:r>
           </a:p>
           <a:p>
             <a:pPr lvl="1"/>
             <a:r>
-              <a:rPr lang="en-US" dirty="0"/>
+              <a:rPr lang="en-US" sz="1400" dirty="0"/>
               <a:t>The project will guide you through real-world data analysis, helping you build practical skills for your academic and professional career.</a:t>
             </a:r>
           </a:p>
           <a:p>
             <a:pPr lvl="1"/>
-            <a:endParaRPr lang="en-US" dirty="0"/>
+            <a:endParaRPr lang="en-US" sz="1400" dirty="0"/>
           </a:p>
           <a:p>
             <a:pPr marL="457200" lvl="1" indent="0">
               <a:buNone/>
             </a:pPr>
             <a:r>
-              <a:rPr lang="en-US" dirty="0"/>
+              <a:rPr lang="en-US" sz="1400" dirty="0"/>
               <a:t>Example Project Outcome: </a:t>
             </a:r>
             <a:r>
-              <a:rPr lang="en-US" dirty="0">
+              <a:rPr lang="en-US" sz="1400" dirty="0">
                 <a:hlinkClick r:id="rId3"/>
               </a:rPr>
               <a:t>https://rpubs.com/fennstat777/1293167</a:t>
             </a:r>
-            <a:endParaRPr lang="en-US" dirty="0"/>
+            <a:endParaRPr lang="en-US" sz="1400" dirty="0"/>
           </a:p>
           <a:p>
             <a:pPr marL="457200" lvl="1" indent="0">
               <a:buNone/>
             </a:pPr>
-            <a:endParaRPr lang="en-US" dirty="0"/>
+            <a:endParaRPr lang="en-US" sz="1400" dirty="0"/>
           </a:p>
           <a:p>
             <a:pPr marL="457200" lvl="1" indent="0">
               <a:buNone/>
             </a:pPr>
-            <a:endParaRPr lang="en-US" dirty="0"/>
+            <a:endParaRPr lang="en-US" sz="1400" dirty="0"/>
           </a:p>
         </p:txBody>
       </p:sp>
